--- a/reports/2 - specification/figure/archiGlasir.pptx
+++ b/reports/2 - specification/figure/archiGlasir.pptx
@@ -3067,8 +3067,8 @@
         </p:nvSpPr>
         <p:spPr>
           <a:xfrm>
-            <a:off x="683568" y="908720"/>
-            <a:ext cx="4680520" cy="5328592"/>
+            <a:off x="683568" y="476672"/>
+            <a:ext cx="4680520" cy="6120680"/>
           </a:xfrm>
           <a:prstGeom prst="rect">
             <a:avLst/>
@@ -3227,7 +3227,7 @@
         </p:nvSpPr>
         <p:spPr>
           <a:xfrm>
-            <a:off x="1691680" y="1124744"/>
+            <a:off x="1691680" y="908720"/>
             <a:ext cx="2664296" cy="369332"/>
           </a:xfrm>
           <a:prstGeom prst="rect">
@@ -3258,8 +3258,8 @@
         </p:nvSpPr>
         <p:spPr>
           <a:xfrm>
-            <a:off x="5724128" y="1412776"/>
-            <a:ext cx="2736304" cy="3024336"/>
+            <a:off x="5724128" y="908720"/>
+            <a:ext cx="2736304" cy="3528392"/>
           </a:xfrm>
           <a:prstGeom prst="rect">
             <a:avLst/>
@@ -3473,7 +3473,7 @@
         </p:nvSpPr>
         <p:spPr>
           <a:xfrm>
-            <a:off x="6084168" y="764704"/>
+            <a:off x="5796136" y="332656"/>
             <a:ext cx="2088232" cy="338554"/>
           </a:xfrm>
           <a:prstGeom prst="rect">
@@ -3573,7 +3573,7 @@
         </p:nvCxnSpPr>
         <p:spPr>
           <a:xfrm>
-            <a:off x="5364088" y="1124744"/>
+            <a:off x="5364088" y="620688"/>
             <a:ext cx="1728192" cy="288032"/>
           </a:xfrm>
           <a:prstGeom prst="bentConnector2">
@@ -3747,12 +3747,12 @@
         </p:nvCxnSpPr>
         <p:spPr>
           <a:xfrm rot="5400000">
-            <a:off x="4236931" y="2923203"/>
-            <a:ext cx="1678250" cy="4104456"/>
+            <a:off x="4056911" y="3103223"/>
+            <a:ext cx="2038290" cy="4104456"/>
           </a:xfrm>
           <a:prstGeom prst="bentConnector3">
             <a:avLst>
-              <a:gd name="adj1" fmla="val 113621"/>
+              <a:gd name="adj1" fmla="val 111215"/>
             </a:avLst>
           </a:prstGeom>
           <a:ln>
@@ -3783,7 +3783,7 @@
         </p:nvSpPr>
         <p:spPr>
           <a:xfrm>
-            <a:off x="827584" y="4725144"/>
+            <a:off x="827584" y="4941168"/>
             <a:ext cx="2088232" cy="369332"/>
           </a:xfrm>
           <a:prstGeom prst="rect">
@@ -3838,7 +3838,7 @@
         </p:nvSpPr>
         <p:spPr>
           <a:xfrm>
-            <a:off x="1979712" y="5445224"/>
+            <a:off x="1979712" y="5805264"/>
             <a:ext cx="2088232" cy="369332"/>
           </a:xfrm>
           <a:prstGeom prst="rect">
@@ -3893,8 +3893,8 @@
         </p:nvSpPr>
         <p:spPr>
           <a:xfrm>
-            <a:off x="1475656" y="4437112"/>
-            <a:ext cx="3096344" cy="338554"/>
+            <a:off x="5004048" y="6021288"/>
+            <a:ext cx="2016224" cy="338554"/>
           </a:xfrm>
           <a:prstGeom prst="rect">
             <a:avLst/>
@@ -3910,7 +3910,11 @@
             <a:pPr algn="ctr"/>
             <a:r>
               <a:rPr lang="fr-FR" sz="1600" dirty="0" smtClean="0"/>
-              <a:t>est traitée et affichée</a:t>
+              <a:t>est </a:t>
+            </a:r>
+            <a:r>
+              <a:rPr lang="fr-FR" sz="1600" dirty="0" smtClean="0"/>
+              <a:t>traitée</a:t>
             </a:r>
             <a:endParaRPr lang="fr-FR" sz="1600" dirty="0"/>
           </a:p>
@@ -3924,7 +3928,7 @@
         </p:nvSpPr>
         <p:spPr>
           <a:xfrm>
-            <a:off x="3203848" y="4725144"/>
+            <a:off x="3203848" y="4941168"/>
             <a:ext cx="2088232" cy="369332"/>
           </a:xfrm>
           <a:prstGeom prst="rect">
@@ -3982,8 +3986,8 @@
         </p:nvCxnSpPr>
         <p:spPr>
           <a:xfrm rot="16200000" flipV="1">
-            <a:off x="2272390" y="4693786"/>
-            <a:ext cx="350748" cy="1152128"/>
+            <a:off x="2200382" y="4981818"/>
+            <a:ext cx="494764" cy="1152128"/>
           </a:xfrm>
           <a:prstGeom prst="bentConnector3">
             <a:avLst>
@@ -4021,8 +4025,8 @@
         </p:nvCxnSpPr>
         <p:spPr>
           <a:xfrm rot="5400000" flipH="1" flipV="1">
-            <a:off x="3460522" y="4657782"/>
-            <a:ext cx="350748" cy="1224136"/>
+            <a:off x="3388514" y="4945814"/>
+            <a:ext cx="494764" cy="1224136"/>
           </a:xfrm>
           <a:prstGeom prst="bentConnector3">
             <a:avLst>
@@ -4060,8 +4064,8 @@
         </p:nvCxnSpPr>
         <p:spPr>
           <a:xfrm rot="16200000" flipV="1">
-            <a:off x="3341477" y="3818657"/>
-            <a:ext cx="588838" cy="1224136"/>
+            <a:off x="3233465" y="3926669"/>
+            <a:ext cx="804862" cy="1224136"/>
           </a:xfrm>
           <a:prstGeom prst="bentConnector3">
             <a:avLst>
@@ -4099,8 +4103,8 @@
         </p:nvCxnSpPr>
         <p:spPr>
           <a:xfrm rot="5400000" flipH="1" flipV="1">
-            <a:off x="2153345" y="3854661"/>
-            <a:ext cx="588838" cy="1152128"/>
+            <a:off x="2045333" y="3962673"/>
+            <a:ext cx="804862" cy="1152128"/>
           </a:xfrm>
           <a:prstGeom prst="bentConnector3">
             <a:avLst>
@@ -4138,7 +4142,7 @@
         </p:nvCxnSpPr>
         <p:spPr>
           <a:xfrm>
-            <a:off x="2915816" y="4909810"/>
+            <a:off x="2915816" y="5125834"/>
             <a:ext cx="288032" cy="0"/>
           </a:xfrm>
           <a:prstGeom prst="straightConnector1">
@@ -4164,6 +4168,71 @@
           </a:fontRef>
         </p:style>
       </p:cxnSp>
+      <p:sp>
+        <p:nvSpPr>
+          <p:cNvPr id="30" name="ZoneTexte 29"/>
+          <p:cNvSpPr txBox="1"/>
+          <p:nvPr/>
+        </p:nvSpPr>
+        <p:spPr>
+          <a:xfrm>
+            <a:off x="5796136" y="1124744"/>
+            <a:ext cx="2592288" cy="369332"/>
+          </a:xfrm>
+          <a:prstGeom prst="rect">
+            <a:avLst/>
+          </a:prstGeom>
+          <a:noFill/>
+        </p:spPr>
+        <p:txBody>
+          <a:bodyPr wrap="square" rtlCol="0">
+            <a:spAutoFit/>
+          </a:bodyPr>
+          <a:lstStyle/>
+          <a:p>
+            <a:pPr algn="ctr"/>
+            <a:r>
+              <a:rPr lang="fr-FR" b="1" dirty="0" smtClean="0"/>
+              <a:t>Fichier projet</a:t>
+            </a:r>
+          </a:p>
+        </p:txBody>
+      </p:sp>
+      <p:sp>
+        <p:nvSpPr>
+          <p:cNvPr id="43" name="ZoneTexte 42"/>
+          <p:cNvSpPr txBox="1"/>
+          <p:nvPr/>
+        </p:nvSpPr>
+        <p:spPr>
+          <a:xfrm>
+            <a:off x="2051720" y="4581128"/>
+            <a:ext cx="2016224" cy="338554"/>
+          </a:xfrm>
+          <a:prstGeom prst="rect">
+            <a:avLst/>
+          </a:prstGeom>
+          <a:noFill/>
+        </p:spPr>
+        <p:txBody>
+          <a:bodyPr wrap="square" rtlCol="0">
+            <a:spAutoFit/>
+          </a:bodyPr>
+          <a:lstStyle/>
+          <a:p>
+            <a:pPr algn="ctr"/>
+            <a:r>
+              <a:rPr lang="fr-FR" sz="1600" dirty="0" smtClean="0"/>
+              <a:t>e</a:t>
+            </a:r>
+            <a:r>
+              <a:rPr lang="fr-FR" sz="1600" dirty="0" smtClean="0"/>
+              <a:t>st affichée</a:t>
+            </a:r>
+            <a:endParaRPr lang="fr-FR" sz="1600" dirty="0"/>
+          </a:p>
+        </p:txBody>
+      </p:sp>
     </p:spTree>
   </p:cSld>
   <p:clrMapOvr>

--- a/reports/2 - specification/figure/archiGlasir.pptx
+++ b/reports/2 - specification/figure/archiGlasir.pptx
@@ -289,7 +289,7 @@
             <a:fld id="{852427A1-C337-4DDD-896B-1C956F96B39C}" type="datetimeFigureOut">
               <a:rPr lang="fr-FR" smtClean="0"/>
               <a:pPr/>
-              <a:t>23/11/2014</a:t>
+              <a:t>25/11/2014</a:t>
             </a:fld>
             <a:endParaRPr lang="fr-FR"/>
           </a:p>
@@ -456,7 +456,7 @@
             <a:fld id="{852427A1-C337-4DDD-896B-1C956F96B39C}" type="datetimeFigureOut">
               <a:rPr lang="fr-FR" smtClean="0"/>
               <a:pPr/>
-              <a:t>23/11/2014</a:t>
+              <a:t>25/11/2014</a:t>
             </a:fld>
             <a:endParaRPr lang="fr-FR"/>
           </a:p>
@@ -633,7 +633,7 @@
             <a:fld id="{852427A1-C337-4DDD-896B-1C956F96B39C}" type="datetimeFigureOut">
               <a:rPr lang="fr-FR" smtClean="0"/>
               <a:pPr/>
-              <a:t>23/11/2014</a:t>
+              <a:t>25/11/2014</a:t>
             </a:fld>
             <a:endParaRPr lang="fr-FR"/>
           </a:p>
@@ -800,7 +800,7 @@
             <a:fld id="{852427A1-C337-4DDD-896B-1C956F96B39C}" type="datetimeFigureOut">
               <a:rPr lang="fr-FR" smtClean="0"/>
               <a:pPr/>
-              <a:t>23/11/2014</a:t>
+              <a:t>25/11/2014</a:t>
             </a:fld>
             <a:endParaRPr lang="fr-FR"/>
           </a:p>
@@ -1043,7 +1043,7 @@
             <a:fld id="{852427A1-C337-4DDD-896B-1C956F96B39C}" type="datetimeFigureOut">
               <a:rPr lang="fr-FR" smtClean="0"/>
               <a:pPr/>
-              <a:t>23/11/2014</a:t>
+              <a:t>25/11/2014</a:t>
             </a:fld>
             <a:endParaRPr lang="fr-FR"/>
           </a:p>
@@ -1328,7 +1328,7 @@
             <a:fld id="{852427A1-C337-4DDD-896B-1C956F96B39C}" type="datetimeFigureOut">
               <a:rPr lang="fr-FR" smtClean="0"/>
               <a:pPr/>
-              <a:t>23/11/2014</a:t>
+              <a:t>25/11/2014</a:t>
             </a:fld>
             <a:endParaRPr lang="fr-FR"/>
           </a:p>
@@ -1747,7 +1747,7 @@
             <a:fld id="{852427A1-C337-4DDD-896B-1C956F96B39C}" type="datetimeFigureOut">
               <a:rPr lang="fr-FR" smtClean="0"/>
               <a:pPr/>
-              <a:t>23/11/2014</a:t>
+              <a:t>25/11/2014</a:t>
             </a:fld>
             <a:endParaRPr lang="fr-FR"/>
           </a:p>
@@ -1862,7 +1862,7 @@
             <a:fld id="{852427A1-C337-4DDD-896B-1C956F96B39C}" type="datetimeFigureOut">
               <a:rPr lang="fr-FR" smtClean="0"/>
               <a:pPr/>
-              <a:t>23/11/2014</a:t>
+              <a:t>25/11/2014</a:t>
             </a:fld>
             <a:endParaRPr lang="fr-FR"/>
           </a:p>
@@ -1954,7 +1954,7 @@
             <a:fld id="{852427A1-C337-4DDD-896B-1C956F96B39C}" type="datetimeFigureOut">
               <a:rPr lang="fr-FR" smtClean="0"/>
               <a:pPr/>
-              <a:t>23/11/2014</a:t>
+              <a:t>25/11/2014</a:t>
             </a:fld>
             <a:endParaRPr lang="fr-FR"/>
           </a:p>
@@ -2228,7 +2228,7 @@
             <a:fld id="{852427A1-C337-4DDD-896B-1C956F96B39C}" type="datetimeFigureOut">
               <a:rPr lang="fr-FR" smtClean="0"/>
               <a:pPr/>
-              <a:t>23/11/2014</a:t>
+              <a:t>25/11/2014</a:t>
             </a:fld>
             <a:endParaRPr lang="fr-FR"/>
           </a:p>
@@ -2478,7 +2478,7 @@
             <a:fld id="{852427A1-C337-4DDD-896B-1C956F96B39C}" type="datetimeFigureOut">
               <a:rPr lang="fr-FR" smtClean="0"/>
               <a:pPr/>
-              <a:t>23/11/2014</a:t>
+              <a:t>25/11/2014</a:t>
             </a:fld>
             <a:endParaRPr lang="fr-FR"/>
           </a:p>
@@ -2688,7 +2688,7 @@
             <a:fld id="{852427A1-C337-4DDD-896B-1C956F96B39C}" type="datetimeFigureOut">
               <a:rPr lang="fr-FR" smtClean="0"/>
               <a:pPr/>
-              <a:t>23/11/2014</a:t>
+              <a:t>25/11/2014</a:t>
             </a:fld>
             <a:endParaRPr lang="fr-FR"/>
           </a:p>
@@ -3150,7 +3150,11 @@
             <a:pPr algn="ctr"/>
             <a:r>
               <a:rPr lang="fr-FR" b="1" dirty="0" smtClean="0"/>
-              <a:t>Base de données d’arbres d’attaque et de défense</a:t>
+              <a:t>Bibliothèque </a:t>
+            </a:r>
+            <a:r>
+              <a:rPr lang="fr-FR" b="1" dirty="0" smtClean="0"/>
+              <a:t>d’arbres d’attaque et de défense</a:t>
             </a:r>
             <a:endParaRPr lang="fr-FR" b="1" dirty="0"/>
           </a:p>
@@ -3228,7 +3232,7 @@
         <p:spPr>
           <a:xfrm>
             <a:off x="1691680" y="908720"/>
-            <a:ext cx="2664296" cy="369332"/>
+            <a:ext cx="2664296" cy="461665"/>
           </a:xfrm>
           <a:prstGeom prst="rect">
             <a:avLst/>
@@ -3243,10 +3247,10 @@
           <a:p>
             <a:pPr algn="ctr"/>
             <a:r>
-              <a:rPr lang="fr-FR" b="1" dirty="0" smtClean="0"/>
-              <a:t>Application mère</a:t>
-            </a:r>
-            <a:endParaRPr lang="fr-FR" b="1" dirty="0"/>
+              <a:rPr lang="fr-FR" sz="2400" b="1" dirty="0" err="1" smtClean="0"/>
+              <a:t>Glasir</a:t>
+            </a:r>
+            <a:endParaRPr lang="fr-FR" sz="2400" b="1" dirty="0"/>
           </a:p>
         </p:txBody>
       </p:sp>
@@ -3449,10 +3453,6 @@
           </a:p>
           <a:p>
             <a:pPr algn="ctr"/>
-            <a:r>
-              <a:rPr lang="fr-FR" b="1" dirty="0" smtClean="0"/>
-              <a:t>Liste d ’</a:t>
-            </a:r>
             <a:r>
               <a:rPr lang="fr-FR" b="1" dirty="0" err="1" smtClean="0"/>
               <a:t>ADTrees</a:t>
@@ -3910,11 +3910,7 @@
             <a:pPr algn="ctr"/>
             <a:r>
               <a:rPr lang="fr-FR" sz="1600" dirty="0" smtClean="0"/>
-              <a:t>est </a:t>
-            </a:r>
-            <a:r>
-              <a:rPr lang="fr-FR" sz="1600" dirty="0" smtClean="0"/>
-              <a:t>traitée</a:t>
+              <a:t>est traitée</a:t>
             </a:r>
             <a:endParaRPr lang="fr-FR" sz="1600" dirty="0"/>
           </a:p>
@@ -4223,11 +4219,7 @@
             <a:pPr algn="ctr"/>
             <a:r>
               <a:rPr lang="fr-FR" sz="1600" dirty="0" smtClean="0"/>
-              <a:t>e</a:t>
-            </a:r>
-            <a:r>
-              <a:rPr lang="fr-FR" sz="1600" dirty="0" smtClean="0"/>
-              <a:t>st affichée</a:t>
+              <a:t>est affichée</a:t>
             </a:r>
             <a:endParaRPr lang="fr-FR" sz="1600" dirty="0"/>
           </a:p>

--- a/reports/2 - specification/figure/archiGlasir.pptx
+++ b/reports/2 - specification/figure/archiGlasir.pptx
@@ -289,7 +289,7 @@
             <a:fld id="{852427A1-C337-4DDD-896B-1C956F96B39C}" type="datetimeFigureOut">
               <a:rPr lang="fr-FR" smtClean="0"/>
               <a:pPr/>
-              <a:t>25/11/2014</a:t>
+              <a:t>27/11/2014</a:t>
             </a:fld>
             <a:endParaRPr lang="fr-FR"/>
           </a:p>
@@ -456,7 +456,7 @@
             <a:fld id="{852427A1-C337-4DDD-896B-1C956F96B39C}" type="datetimeFigureOut">
               <a:rPr lang="fr-FR" smtClean="0"/>
               <a:pPr/>
-              <a:t>25/11/2014</a:t>
+              <a:t>27/11/2014</a:t>
             </a:fld>
             <a:endParaRPr lang="fr-FR"/>
           </a:p>
@@ -633,7 +633,7 @@
             <a:fld id="{852427A1-C337-4DDD-896B-1C956F96B39C}" type="datetimeFigureOut">
               <a:rPr lang="fr-FR" smtClean="0"/>
               <a:pPr/>
-              <a:t>25/11/2014</a:t>
+              <a:t>27/11/2014</a:t>
             </a:fld>
             <a:endParaRPr lang="fr-FR"/>
           </a:p>
@@ -800,7 +800,7 @@
             <a:fld id="{852427A1-C337-4DDD-896B-1C956F96B39C}" type="datetimeFigureOut">
               <a:rPr lang="fr-FR" smtClean="0"/>
               <a:pPr/>
-              <a:t>25/11/2014</a:t>
+              <a:t>27/11/2014</a:t>
             </a:fld>
             <a:endParaRPr lang="fr-FR"/>
           </a:p>
@@ -1043,7 +1043,7 @@
             <a:fld id="{852427A1-C337-4DDD-896B-1C956F96B39C}" type="datetimeFigureOut">
               <a:rPr lang="fr-FR" smtClean="0"/>
               <a:pPr/>
-              <a:t>25/11/2014</a:t>
+              <a:t>27/11/2014</a:t>
             </a:fld>
             <a:endParaRPr lang="fr-FR"/>
           </a:p>
@@ -1328,7 +1328,7 @@
             <a:fld id="{852427A1-C337-4DDD-896B-1C956F96B39C}" type="datetimeFigureOut">
               <a:rPr lang="fr-FR" smtClean="0"/>
               <a:pPr/>
-              <a:t>25/11/2014</a:t>
+              <a:t>27/11/2014</a:t>
             </a:fld>
             <a:endParaRPr lang="fr-FR"/>
           </a:p>
@@ -1747,7 +1747,7 @@
             <a:fld id="{852427A1-C337-4DDD-896B-1C956F96B39C}" type="datetimeFigureOut">
               <a:rPr lang="fr-FR" smtClean="0"/>
               <a:pPr/>
-              <a:t>25/11/2014</a:t>
+              <a:t>27/11/2014</a:t>
             </a:fld>
             <a:endParaRPr lang="fr-FR"/>
           </a:p>
@@ -1862,7 +1862,7 @@
             <a:fld id="{852427A1-C337-4DDD-896B-1C956F96B39C}" type="datetimeFigureOut">
               <a:rPr lang="fr-FR" smtClean="0"/>
               <a:pPr/>
-              <a:t>25/11/2014</a:t>
+              <a:t>27/11/2014</a:t>
             </a:fld>
             <a:endParaRPr lang="fr-FR"/>
           </a:p>
@@ -1954,7 +1954,7 @@
             <a:fld id="{852427A1-C337-4DDD-896B-1C956F96B39C}" type="datetimeFigureOut">
               <a:rPr lang="fr-FR" smtClean="0"/>
               <a:pPr/>
-              <a:t>25/11/2014</a:t>
+              <a:t>27/11/2014</a:t>
             </a:fld>
             <a:endParaRPr lang="fr-FR"/>
           </a:p>
@@ -2228,7 +2228,7 @@
             <a:fld id="{852427A1-C337-4DDD-896B-1C956F96B39C}" type="datetimeFigureOut">
               <a:rPr lang="fr-FR" smtClean="0"/>
               <a:pPr/>
-              <a:t>25/11/2014</a:t>
+              <a:t>27/11/2014</a:t>
             </a:fld>
             <a:endParaRPr lang="fr-FR"/>
           </a:p>
@@ -2478,7 +2478,7 @@
             <a:fld id="{852427A1-C337-4DDD-896B-1C956F96B39C}" type="datetimeFigureOut">
               <a:rPr lang="fr-FR" smtClean="0"/>
               <a:pPr/>
-              <a:t>25/11/2014</a:t>
+              <a:t>27/11/2014</a:t>
             </a:fld>
             <a:endParaRPr lang="fr-FR"/>
           </a:p>
@@ -2688,7 +2688,7 @@
             <a:fld id="{852427A1-C337-4DDD-896B-1C956F96B39C}" type="datetimeFigureOut">
               <a:rPr lang="fr-FR" smtClean="0"/>
               <a:pPr/>
-              <a:t>25/11/2014</a:t>
+              <a:t>27/11/2014</a:t>
             </a:fld>
             <a:endParaRPr lang="fr-FR"/>
           </a:p>
@@ -3150,11 +3150,7 @@
             <a:pPr algn="ctr"/>
             <a:r>
               <a:rPr lang="fr-FR" b="1" dirty="0" smtClean="0"/>
-              <a:t>Bibliothèque </a:t>
-            </a:r>
-            <a:r>
-              <a:rPr lang="fr-FR" b="1" dirty="0" smtClean="0"/>
-              <a:t>d’arbres d’attaque et de défense</a:t>
+              <a:t>Bibliothèque d’arbres d’attaque et de défense</a:t>
             </a:r>
             <a:endParaRPr lang="fr-FR" b="1" dirty="0"/>
           </a:p>
@@ -3825,8 +3821,9 @@
             <a:pPr algn="ctr"/>
             <a:r>
               <a:rPr lang="fr-FR" b="1" dirty="0" smtClean="0"/>
-              <a:t>Filtres</a:t>
-            </a:r>
+              <a:t>Filtre</a:t>
+            </a:r>
+            <a:endParaRPr lang="fr-FR" b="1" dirty="0" smtClean="0"/>
           </a:p>
         </p:txBody>
       </p:sp>
@@ -3880,8 +3877,13 @@
             <a:pPr algn="ctr"/>
             <a:r>
               <a:rPr lang="fr-FR" b="1" dirty="0" smtClean="0"/>
-              <a:t>Editeur de fonction</a:t>
-            </a:r>
+              <a:t>Editeur de </a:t>
+            </a:r>
+            <a:r>
+              <a:rPr lang="fr-FR" b="1" dirty="0" smtClean="0"/>
+              <a:t>fonctions</a:t>
+            </a:r>
+            <a:endParaRPr lang="fr-FR" b="1" dirty="0" smtClean="0"/>
           </a:p>
         </p:txBody>
       </p:sp>
@@ -4219,7 +4221,11 @@
             <a:pPr algn="ctr"/>
             <a:r>
               <a:rPr lang="fr-FR" sz="1600" dirty="0" smtClean="0"/>
-              <a:t>est affichée</a:t>
+              <a:t>est </a:t>
+            </a:r>
+            <a:r>
+              <a:rPr lang="fr-FR" sz="1600" dirty="0" smtClean="0"/>
+              <a:t>affiché</a:t>
             </a:r>
             <a:endParaRPr lang="fr-FR" sz="1600" dirty="0"/>
           </a:p>

--- a/reports/2 - specification/figure/archiGlasir.pptx
+++ b/reports/2 - specification/figure/archiGlasir.pptx
@@ -104,6 +104,22 @@
       </a:defRPr>
     </a:lvl9pPr>
   </p:defaultTextStyle>
+  <p:extLst>
+    <p:ext uri="{EFAFB233-063F-42B5-8137-9DF3F51BA10A}">
+      <p15:sldGuideLst xmlns:p15="http://schemas.microsoft.com/office/powerpoint/2012/main">
+        <p15:guide id="1" orient="horz" pos="2160">
+          <p15:clr>
+            <a:srgbClr val="A4A3A4"/>
+          </p15:clr>
+        </p15:guide>
+        <p15:guide id="2" pos="2880">
+          <p15:clr>
+            <a:srgbClr val="A4A3A4"/>
+          </p15:clr>
+        </p15:guide>
+      </p15:sldGuideLst>
+    </p:ext>
+  </p:extLst>
 </p:presentation>
 </file>
 
@@ -332,7 +348,7 @@
             <a:fld id="{55291A38-64C6-47EF-9DA4-E1C78ECC8F26}" type="slidenum">
               <a:rPr lang="fr-FR" smtClean="0"/>
               <a:pPr/>
-              <a:t>‹N°›</a:t>
+              <a:t>‹#›</a:t>
             </a:fld>
             <a:endParaRPr lang="fr-FR"/>
           </a:p>
@@ -499,7 +515,7 @@
             <a:fld id="{55291A38-64C6-47EF-9DA4-E1C78ECC8F26}" type="slidenum">
               <a:rPr lang="fr-FR" smtClean="0"/>
               <a:pPr/>
-              <a:t>‹N°›</a:t>
+              <a:t>‹#›</a:t>
             </a:fld>
             <a:endParaRPr lang="fr-FR"/>
           </a:p>
@@ -676,7 +692,7 @@
             <a:fld id="{55291A38-64C6-47EF-9DA4-E1C78ECC8F26}" type="slidenum">
               <a:rPr lang="fr-FR" smtClean="0"/>
               <a:pPr/>
-              <a:t>‹N°›</a:t>
+              <a:t>‹#›</a:t>
             </a:fld>
             <a:endParaRPr lang="fr-FR"/>
           </a:p>
@@ -843,7 +859,7 @@
             <a:fld id="{55291A38-64C6-47EF-9DA4-E1C78ECC8F26}" type="slidenum">
               <a:rPr lang="fr-FR" smtClean="0"/>
               <a:pPr/>
-              <a:t>‹N°›</a:t>
+              <a:t>‹#›</a:t>
             </a:fld>
             <a:endParaRPr lang="fr-FR"/>
           </a:p>
@@ -1086,7 +1102,7 @@
             <a:fld id="{55291A38-64C6-47EF-9DA4-E1C78ECC8F26}" type="slidenum">
               <a:rPr lang="fr-FR" smtClean="0"/>
               <a:pPr/>
-              <a:t>‹N°›</a:t>
+              <a:t>‹#›</a:t>
             </a:fld>
             <a:endParaRPr lang="fr-FR"/>
           </a:p>
@@ -1371,7 +1387,7 @@
             <a:fld id="{55291A38-64C6-47EF-9DA4-E1C78ECC8F26}" type="slidenum">
               <a:rPr lang="fr-FR" smtClean="0"/>
               <a:pPr/>
-              <a:t>‹N°›</a:t>
+              <a:t>‹#›</a:t>
             </a:fld>
             <a:endParaRPr lang="fr-FR"/>
           </a:p>
@@ -1790,7 +1806,7 @@
             <a:fld id="{55291A38-64C6-47EF-9DA4-E1C78ECC8F26}" type="slidenum">
               <a:rPr lang="fr-FR" smtClean="0"/>
               <a:pPr/>
-              <a:t>‹N°›</a:t>
+              <a:t>‹#›</a:t>
             </a:fld>
             <a:endParaRPr lang="fr-FR"/>
           </a:p>
@@ -1905,7 +1921,7 @@
             <a:fld id="{55291A38-64C6-47EF-9DA4-E1C78ECC8F26}" type="slidenum">
               <a:rPr lang="fr-FR" smtClean="0"/>
               <a:pPr/>
-              <a:t>‹N°›</a:t>
+              <a:t>‹#›</a:t>
             </a:fld>
             <a:endParaRPr lang="fr-FR"/>
           </a:p>
@@ -1997,7 +2013,7 @@
             <a:fld id="{55291A38-64C6-47EF-9DA4-E1C78ECC8F26}" type="slidenum">
               <a:rPr lang="fr-FR" smtClean="0"/>
               <a:pPr/>
-              <a:t>‹N°›</a:t>
+              <a:t>‹#›</a:t>
             </a:fld>
             <a:endParaRPr lang="fr-FR"/>
           </a:p>
@@ -2271,7 +2287,7 @@
             <a:fld id="{55291A38-64C6-47EF-9DA4-E1C78ECC8F26}" type="slidenum">
               <a:rPr lang="fr-FR" smtClean="0"/>
               <a:pPr/>
-              <a:t>‹N°›</a:t>
+              <a:t>‹#›</a:t>
             </a:fld>
             <a:endParaRPr lang="fr-FR"/>
           </a:p>
@@ -2521,7 +2537,7 @@
             <a:fld id="{55291A38-64C6-47EF-9DA4-E1C78ECC8F26}" type="slidenum">
               <a:rPr lang="fr-FR" smtClean="0"/>
               <a:pPr/>
-              <a:t>‹N°›</a:t>
+              <a:t>‹#›</a:t>
             </a:fld>
             <a:endParaRPr lang="fr-FR"/>
           </a:p>
@@ -2767,7 +2783,7 @@
             <a:fld id="{55291A38-64C6-47EF-9DA4-E1C78ECC8F26}" type="slidenum">
               <a:rPr lang="fr-FR" smtClean="0"/>
               <a:pPr/>
-              <a:t>‹N°›</a:t>
+              <a:t>‹#›</a:t>
             </a:fld>
             <a:endParaRPr lang="fr-FR"/>
           </a:p>
@@ -3823,7 +3839,6 @@
               <a:rPr lang="fr-FR" b="1" dirty="0" smtClean="0"/>
               <a:t>Filtre</a:t>
             </a:r>
-            <a:endParaRPr lang="fr-FR" b="1" dirty="0" smtClean="0"/>
           </a:p>
         </p:txBody>
       </p:sp>
@@ -3877,13 +3892,8 @@
             <a:pPr algn="ctr"/>
             <a:r>
               <a:rPr lang="fr-FR" b="1" dirty="0" smtClean="0"/>
-              <a:t>Editeur de </a:t>
-            </a:r>
-            <a:r>
-              <a:rPr lang="fr-FR" b="1" dirty="0" smtClean="0"/>
-              <a:t>fonctions</a:t>
-            </a:r>
-            <a:endParaRPr lang="fr-FR" b="1" dirty="0" smtClean="0"/>
+              <a:t>Editeur de fonctions</a:t>
+            </a:r>
           </a:p>
         </p:txBody>
       </p:sp>
@@ -4190,9 +4200,10 @@
           <a:p>
             <a:pPr algn="ctr"/>
             <a:r>
-              <a:rPr lang="fr-FR" b="1" dirty="0" smtClean="0"/>
-              <a:t>Fichier projet</a:t>
-            </a:r>
+              <a:rPr lang="fr-FR" b="1" smtClean="0"/>
+              <a:t>Fichiers du projet</a:t>
+            </a:r>
+            <a:endParaRPr lang="fr-FR" b="1" dirty="0" smtClean="0"/>
           </a:p>
         </p:txBody>
       </p:sp>
@@ -4221,11 +4232,7 @@
             <a:pPr algn="ctr"/>
             <a:r>
               <a:rPr lang="fr-FR" sz="1600" dirty="0" smtClean="0"/>
-              <a:t>est </a:t>
-            </a:r>
-            <a:r>
-              <a:rPr lang="fr-FR" sz="1600" dirty="0" smtClean="0"/>
-              <a:t>affiché</a:t>
+              <a:t>est affiché</a:t>
             </a:r>
             <a:endParaRPr lang="fr-FR" sz="1600" dirty="0"/>
           </a:p>
